--- a/5_Java/Dasutflix/자료/JAVA프로젝트클래스다이어그램초안_rev02.pptx
+++ b/5_Java/Dasutflix/자료/JAVA프로젝트클래스다이어그램초안_rev02.pptx
@@ -4781,15 +4781,15 @@
           </p:cNvPr>
           <p:cNvCxnSpPr>
             <a:cxnSpLocks/>
-            <a:stCxn id="4" idx="1"/>
+            <a:stCxn id="133" idx="1"/>
             <a:endCxn id="40" idx="1"/>
           </p:cNvCxnSpPr>
           <p:nvPr/>
         </p:nvCxnSpPr>
         <p:spPr>
           <a:xfrm rot="10800000" flipH="1" flipV="1">
-            <a:off x="1797143" y="2000250"/>
-            <a:ext cx="5847566" cy="2852222"/>
+            <a:off x="1797143" y="835992"/>
+            <a:ext cx="5847566" cy="4016479"/>
           </a:xfrm>
           <a:prstGeom prst="bentConnector3">
             <a:avLst>
@@ -5088,8 +5088,8 @@
         </p:nvSpPr>
         <p:spPr>
           <a:xfrm>
-            <a:off x="8674944" y="1686942"/>
-            <a:ext cx="1284326" cy="1200329"/>
+            <a:off x="8674944" y="1968609"/>
+            <a:ext cx="716799" cy="646331"/>
           </a:xfrm>
           <a:prstGeom prst="rect">
             <a:avLst/>
@@ -5111,27 +5111,6 @@
             <a:r>
               <a:rPr lang="en-US" altLang="ko-KR" dirty="0"/>
               <a:t>- PW</a:t>
-            </a:r>
-          </a:p>
-          <a:p>
-            <a:r>
-              <a:rPr lang="en-US" altLang="ko-KR" dirty="0"/>
-              <a:t>- </a:t>
-            </a:r>
-            <a:r>
-              <a:rPr lang="ko-KR" altLang="en-US" dirty="0" err="1"/>
-              <a:t>찜목록</a:t>
-            </a:r>
-            <a:endParaRPr lang="en-US" altLang="ko-KR" dirty="0"/>
-          </a:p>
-          <a:p>
-            <a:r>
-              <a:rPr lang="en-US" altLang="ko-KR" dirty="0"/>
-              <a:t>- </a:t>
-            </a:r>
-            <a:r>
-              <a:rPr lang="ko-KR" altLang="en-US" dirty="0"/>
-              <a:t>선호장르</a:t>
             </a:r>
           </a:p>
         </p:txBody>
@@ -5153,9 +5132,9 @@
           <p:nvPr/>
         </p:nvCxnSpPr>
         <p:spPr>
-          <a:xfrm flipV="1">
-            <a:off x="8140125" y="2287107"/>
-            <a:ext cx="534819" cy="1200"/>
+          <a:xfrm>
+            <a:off x="8140125" y="2288307"/>
+            <a:ext cx="534819" cy="3468"/>
           </a:xfrm>
           <a:prstGeom prst="line">
             <a:avLst/>
@@ -5361,8 +5340,8 @@
         </p:nvSpPr>
         <p:spPr>
           <a:xfrm>
-            <a:off x="8789244" y="1029291"/>
-            <a:ext cx="1165704" cy="369332"/>
+            <a:off x="8789244" y="757150"/>
+            <a:ext cx="1396536" cy="923330"/>
           </a:xfrm>
           <a:prstGeom prst="rect">
             <a:avLst/>
@@ -5382,6 +5361,28 @@
             <a:r>
               <a:rPr lang="ko-KR" altLang="en-US" dirty="0"/>
               <a:t>닉네임</a:t>
+            </a:r>
+            <a:endParaRPr lang="en-US" altLang="ko-KR" dirty="0"/>
+          </a:p>
+          <a:p>
+            <a:pPr marL="285750" indent="-285750">
+              <a:buFontTx/>
+              <a:buChar char="-"/>
+            </a:pPr>
+            <a:r>
+              <a:rPr lang="ko-KR" altLang="en-US" dirty="0"/>
+              <a:t>선호장르</a:t>
+            </a:r>
+            <a:endParaRPr lang="en-US" altLang="ko-KR" dirty="0"/>
+          </a:p>
+          <a:p>
+            <a:pPr marL="285750" indent="-285750">
+              <a:buFontTx/>
+              <a:buChar char="-"/>
+            </a:pPr>
+            <a:r>
+              <a:rPr lang="ko-KR" altLang="en-US" dirty="0" err="1"/>
+              <a:t>찜목록</a:t>
             </a:r>
             <a:endParaRPr lang="en-US" altLang="ko-KR" dirty="0"/>
           </a:p>
@@ -5405,8 +5406,8 @@
         </p:nvCxnSpPr>
         <p:spPr>
           <a:xfrm flipV="1">
-            <a:off x="8140125" y="1213957"/>
-            <a:ext cx="649119" cy="4891"/>
+            <a:off x="8140125" y="1218815"/>
+            <a:ext cx="649119" cy="33"/>
           </a:xfrm>
           <a:prstGeom prst="line">
             <a:avLst/>
